--- a/ppt 16-9/1249.为主而活.pptx
+++ b/ppt 16-9/1249.为主而活.pptx
@@ -5,7 +5,7 @@
     <p:sldMasterId id="2147483648" r:id="rId1"/>
   </p:sldMasterIdLst>
   <p:sldIdLst>
-    <p:sldId id="793" r:id="rId2"/>
+    <p:sldId id="794" r:id="rId2"/>
   </p:sldIdLst>
   <p:sldSz cx="12192000" cy="6858000"/>
   <p:notesSz cx="6858000" cy="9144000"/>
@@ -129,7 +129,7 @@
           <p:cNvPr id="2" name="标题 1">
             <a:extLst>
               <a:ext uri="{FF2B5EF4-FFF2-40B4-BE49-F238E27FC236}">
-                <a16:creationId xmlns:a16="http://schemas.microsoft.com/office/drawing/2014/main" id="{E8CADCB7-FA50-B41F-0D2A-F962424A1FD4}"/>
+                <a16:creationId xmlns:a16="http://schemas.microsoft.com/office/drawing/2014/main" id="{86F08A30-BF01-B9AD-FF07-E3EDE45ACD37}"/>
               </a:ext>
             </a:extLst>
           </p:cNvPr>
@@ -166,7 +166,7 @@
           <p:cNvPr id="3" name="副标题 2">
             <a:extLst>
               <a:ext uri="{FF2B5EF4-FFF2-40B4-BE49-F238E27FC236}">
-                <a16:creationId xmlns:a16="http://schemas.microsoft.com/office/drawing/2014/main" id="{91BA5067-EBA7-B96F-69D2-E444C6030D6A}"/>
+                <a16:creationId xmlns:a16="http://schemas.microsoft.com/office/drawing/2014/main" id="{A510030F-B290-AECB-193E-E18081890522}"/>
               </a:ext>
             </a:extLst>
           </p:cNvPr>
@@ -236,7 +236,7 @@
           <p:cNvPr id="4" name="日期占位符 3">
             <a:extLst>
               <a:ext uri="{FF2B5EF4-FFF2-40B4-BE49-F238E27FC236}">
-                <a16:creationId xmlns:a16="http://schemas.microsoft.com/office/drawing/2014/main" id="{E57F3CB5-AF98-0BFE-F229-791C0FE7D3E1}"/>
+                <a16:creationId xmlns:a16="http://schemas.microsoft.com/office/drawing/2014/main" id="{50C7E03B-E2CC-4681-8AD6-53D7177966E6}"/>
               </a:ext>
             </a:extLst>
           </p:cNvPr>
@@ -252,7 +252,7 @@
           <a:bodyPr/>
           <a:lstStyle/>
           <a:p>
-            <a:fld id="{A55D2E95-846D-4DE7-86F4-EDE3B43295CB}" type="datetimeFigureOut">
+            <a:fld id="{CD5B761E-B7EB-436D-A261-3BE9AF06CE56}" type="datetimeFigureOut">
               <a:rPr lang="zh-CN" altLang="en-US" smtClean="0"/>
               <a:t>2024/3/10</a:t>
             </a:fld>
@@ -265,7 +265,7 @@
           <p:cNvPr id="5" name="页脚占位符 4">
             <a:extLst>
               <a:ext uri="{FF2B5EF4-FFF2-40B4-BE49-F238E27FC236}">
-                <a16:creationId xmlns:a16="http://schemas.microsoft.com/office/drawing/2014/main" id="{DC2120CB-B855-7AFB-B0E4-02DDB59F11EF}"/>
+                <a16:creationId xmlns:a16="http://schemas.microsoft.com/office/drawing/2014/main" id="{ECF7FB5A-E7AF-2E25-5C9B-D3EADDE1B711}"/>
               </a:ext>
             </a:extLst>
           </p:cNvPr>
@@ -290,7 +290,7 @@
           <p:cNvPr id="6" name="灯片编号占位符 5">
             <a:extLst>
               <a:ext uri="{FF2B5EF4-FFF2-40B4-BE49-F238E27FC236}">
-                <a16:creationId xmlns:a16="http://schemas.microsoft.com/office/drawing/2014/main" id="{5D4AE5DA-2DBE-8D01-E5E8-0AEAA423B7B6}"/>
+                <a16:creationId xmlns:a16="http://schemas.microsoft.com/office/drawing/2014/main" id="{B18D6EA7-04A9-C5E0-A114-4C832FAF4F8D}"/>
               </a:ext>
             </a:extLst>
           </p:cNvPr>
@@ -306,7 +306,7 @@
           <a:bodyPr/>
           <a:lstStyle/>
           <a:p>
-            <a:fld id="{58F51680-1D63-45DE-A0A8-95A2673AF761}" type="slidenum">
+            <a:fld id="{623EDC2A-9A1F-420B-AC97-33244E5AD438}" type="slidenum">
               <a:rPr lang="zh-CN" altLang="en-US" smtClean="0"/>
               <a:t>‹#›</a:t>
             </a:fld>
@@ -317,7 +317,7 @@
     </p:spTree>
     <p:extLst>
       <p:ext uri="{BB962C8B-B14F-4D97-AF65-F5344CB8AC3E}">
-        <p14:creationId xmlns:p14="http://schemas.microsoft.com/office/powerpoint/2010/main" val="1527306734"/>
+        <p14:creationId xmlns:p14="http://schemas.microsoft.com/office/powerpoint/2010/main" val="287379337"/>
       </p:ext>
     </p:extLst>
   </p:cSld>
@@ -349,7 +349,7 @@
           <p:cNvPr id="2" name="标题 1">
             <a:extLst>
               <a:ext uri="{FF2B5EF4-FFF2-40B4-BE49-F238E27FC236}">
-                <a16:creationId xmlns:a16="http://schemas.microsoft.com/office/drawing/2014/main" id="{F0BE79AC-A4C1-C20B-69EC-C9E11EC75F11}"/>
+                <a16:creationId xmlns:a16="http://schemas.microsoft.com/office/drawing/2014/main" id="{DC52DA18-6A5C-7CDF-442D-26FFE81AB552}"/>
               </a:ext>
             </a:extLst>
           </p:cNvPr>
@@ -377,7 +377,7 @@
           <p:cNvPr id="3" name="竖排文字占位符 2">
             <a:extLst>
               <a:ext uri="{FF2B5EF4-FFF2-40B4-BE49-F238E27FC236}">
-                <a16:creationId xmlns:a16="http://schemas.microsoft.com/office/drawing/2014/main" id="{4B085A3B-EC44-AD00-1D9C-26845A93D6C9}"/>
+                <a16:creationId xmlns:a16="http://schemas.microsoft.com/office/drawing/2014/main" id="{7050888B-45FA-5805-3B42-0C0354BA255A}"/>
               </a:ext>
             </a:extLst>
           </p:cNvPr>
@@ -434,7 +434,7 @@
           <p:cNvPr id="4" name="日期占位符 3">
             <a:extLst>
               <a:ext uri="{FF2B5EF4-FFF2-40B4-BE49-F238E27FC236}">
-                <a16:creationId xmlns:a16="http://schemas.microsoft.com/office/drawing/2014/main" id="{D86ACAD2-B833-F07E-8DB9-5E7997975150}"/>
+                <a16:creationId xmlns:a16="http://schemas.microsoft.com/office/drawing/2014/main" id="{92CE3A80-634A-5106-9B32-EB6712914962}"/>
               </a:ext>
             </a:extLst>
           </p:cNvPr>
@@ -450,7 +450,7 @@
           <a:bodyPr/>
           <a:lstStyle/>
           <a:p>
-            <a:fld id="{A55D2E95-846D-4DE7-86F4-EDE3B43295CB}" type="datetimeFigureOut">
+            <a:fld id="{CD5B761E-B7EB-436D-A261-3BE9AF06CE56}" type="datetimeFigureOut">
               <a:rPr lang="zh-CN" altLang="en-US" smtClean="0"/>
               <a:t>2024/3/10</a:t>
             </a:fld>
@@ -463,7 +463,7 @@
           <p:cNvPr id="5" name="页脚占位符 4">
             <a:extLst>
               <a:ext uri="{FF2B5EF4-FFF2-40B4-BE49-F238E27FC236}">
-                <a16:creationId xmlns:a16="http://schemas.microsoft.com/office/drawing/2014/main" id="{717568EB-C8E5-2770-D938-C2401698AA32}"/>
+                <a16:creationId xmlns:a16="http://schemas.microsoft.com/office/drawing/2014/main" id="{FFAFEAEF-6B40-2DB7-C666-410498014713}"/>
               </a:ext>
             </a:extLst>
           </p:cNvPr>
@@ -488,7 +488,7 @@
           <p:cNvPr id="6" name="灯片编号占位符 5">
             <a:extLst>
               <a:ext uri="{FF2B5EF4-FFF2-40B4-BE49-F238E27FC236}">
-                <a16:creationId xmlns:a16="http://schemas.microsoft.com/office/drawing/2014/main" id="{BA60E280-B174-2E99-C4C3-5F83E911A9CC}"/>
+                <a16:creationId xmlns:a16="http://schemas.microsoft.com/office/drawing/2014/main" id="{861DEFAB-E056-2A1F-4943-6EB281436605}"/>
               </a:ext>
             </a:extLst>
           </p:cNvPr>
@@ -504,7 +504,7 @@
           <a:bodyPr/>
           <a:lstStyle/>
           <a:p>
-            <a:fld id="{58F51680-1D63-45DE-A0A8-95A2673AF761}" type="slidenum">
+            <a:fld id="{623EDC2A-9A1F-420B-AC97-33244E5AD438}" type="slidenum">
               <a:rPr lang="zh-CN" altLang="en-US" smtClean="0"/>
               <a:t>‹#›</a:t>
             </a:fld>
@@ -515,7 +515,7 @@
     </p:spTree>
     <p:extLst>
       <p:ext uri="{BB962C8B-B14F-4D97-AF65-F5344CB8AC3E}">
-        <p14:creationId xmlns:p14="http://schemas.microsoft.com/office/powerpoint/2010/main" val="2508912463"/>
+        <p14:creationId xmlns:p14="http://schemas.microsoft.com/office/powerpoint/2010/main" val="2276586907"/>
       </p:ext>
     </p:extLst>
   </p:cSld>
@@ -547,7 +547,7 @@
           <p:cNvPr id="2" name="竖排标题 1">
             <a:extLst>
               <a:ext uri="{FF2B5EF4-FFF2-40B4-BE49-F238E27FC236}">
-                <a16:creationId xmlns:a16="http://schemas.microsoft.com/office/drawing/2014/main" id="{7BD1E910-6089-E372-40F7-C787ABA272D2}"/>
+                <a16:creationId xmlns:a16="http://schemas.microsoft.com/office/drawing/2014/main" id="{40296176-2A56-23A9-AD65-72D13C1D89DF}"/>
               </a:ext>
             </a:extLst>
           </p:cNvPr>
@@ -580,7 +580,7 @@
           <p:cNvPr id="3" name="竖排文字占位符 2">
             <a:extLst>
               <a:ext uri="{FF2B5EF4-FFF2-40B4-BE49-F238E27FC236}">
-                <a16:creationId xmlns:a16="http://schemas.microsoft.com/office/drawing/2014/main" id="{759520B9-E76C-1611-6D99-5180444184FF}"/>
+                <a16:creationId xmlns:a16="http://schemas.microsoft.com/office/drawing/2014/main" id="{F9A5F238-CA54-D6C1-557D-8A4BD8668AD8}"/>
               </a:ext>
             </a:extLst>
           </p:cNvPr>
@@ -642,7 +642,7 @@
           <p:cNvPr id="4" name="日期占位符 3">
             <a:extLst>
               <a:ext uri="{FF2B5EF4-FFF2-40B4-BE49-F238E27FC236}">
-                <a16:creationId xmlns:a16="http://schemas.microsoft.com/office/drawing/2014/main" id="{07112E64-8699-8C8F-ED33-4E4AF84FEDCC}"/>
+                <a16:creationId xmlns:a16="http://schemas.microsoft.com/office/drawing/2014/main" id="{600BE2C0-DB0A-FA51-05CC-31697F1A5E00}"/>
               </a:ext>
             </a:extLst>
           </p:cNvPr>
@@ -658,7 +658,7 @@
           <a:bodyPr/>
           <a:lstStyle/>
           <a:p>
-            <a:fld id="{A55D2E95-846D-4DE7-86F4-EDE3B43295CB}" type="datetimeFigureOut">
+            <a:fld id="{CD5B761E-B7EB-436D-A261-3BE9AF06CE56}" type="datetimeFigureOut">
               <a:rPr lang="zh-CN" altLang="en-US" smtClean="0"/>
               <a:t>2024/3/10</a:t>
             </a:fld>
@@ -671,7 +671,7 @@
           <p:cNvPr id="5" name="页脚占位符 4">
             <a:extLst>
               <a:ext uri="{FF2B5EF4-FFF2-40B4-BE49-F238E27FC236}">
-                <a16:creationId xmlns:a16="http://schemas.microsoft.com/office/drawing/2014/main" id="{74071380-72B2-9C6F-106A-94F306634463}"/>
+                <a16:creationId xmlns:a16="http://schemas.microsoft.com/office/drawing/2014/main" id="{FFF921A9-AF3E-6B0E-56FC-6DC5D48F41C2}"/>
               </a:ext>
             </a:extLst>
           </p:cNvPr>
@@ -696,7 +696,7 @@
           <p:cNvPr id="6" name="灯片编号占位符 5">
             <a:extLst>
               <a:ext uri="{FF2B5EF4-FFF2-40B4-BE49-F238E27FC236}">
-                <a16:creationId xmlns:a16="http://schemas.microsoft.com/office/drawing/2014/main" id="{FDA7E26B-405C-C40E-45D5-5F7FEDFA150F}"/>
+                <a16:creationId xmlns:a16="http://schemas.microsoft.com/office/drawing/2014/main" id="{672B01DA-E6B0-1B01-B21A-02135C9B9830}"/>
               </a:ext>
             </a:extLst>
           </p:cNvPr>
@@ -712,7 +712,7 @@
           <a:bodyPr/>
           <a:lstStyle/>
           <a:p>
-            <a:fld id="{58F51680-1D63-45DE-A0A8-95A2673AF761}" type="slidenum">
+            <a:fld id="{623EDC2A-9A1F-420B-AC97-33244E5AD438}" type="slidenum">
               <a:rPr lang="zh-CN" altLang="en-US" smtClean="0"/>
               <a:t>‹#›</a:t>
             </a:fld>
@@ -723,7 +723,7 @@
     </p:spTree>
     <p:extLst>
       <p:ext uri="{BB962C8B-B14F-4D97-AF65-F5344CB8AC3E}">
-        <p14:creationId xmlns:p14="http://schemas.microsoft.com/office/powerpoint/2010/main" val="2632022918"/>
+        <p14:creationId xmlns:p14="http://schemas.microsoft.com/office/powerpoint/2010/main" val="2124570846"/>
       </p:ext>
     </p:extLst>
   </p:cSld>
@@ -755,7 +755,7 @@
           <p:cNvPr id="2" name="标题 1">
             <a:extLst>
               <a:ext uri="{FF2B5EF4-FFF2-40B4-BE49-F238E27FC236}">
-                <a16:creationId xmlns:a16="http://schemas.microsoft.com/office/drawing/2014/main" id="{6965FB54-AAEE-38A7-AC3C-8C5B0E918CD4}"/>
+                <a16:creationId xmlns:a16="http://schemas.microsoft.com/office/drawing/2014/main" id="{8C74166E-517E-CF2A-5FF0-0855249D4B17}"/>
               </a:ext>
             </a:extLst>
           </p:cNvPr>
@@ -783,7 +783,7 @@
           <p:cNvPr id="3" name="内容占位符 2">
             <a:extLst>
               <a:ext uri="{FF2B5EF4-FFF2-40B4-BE49-F238E27FC236}">
-                <a16:creationId xmlns:a16="http://schemas.microsoft.com/office/drawing/2014/main" id="{1335C452-64F6-F727-4004-526E95B57516}"/>
+                <a16:creationId xmlns:a16="http://schemas.microsoft.com/office/drawing/2014/main" id="{45A1E3AD-7870-1100-5ECE-732A71A95DB2}"/>
               </a:ext>
             </a:extLst>
           </p:cNvPr>
@@ -840,7 +840,7 @@
           <p:cNvPr id="4" name="日期占位符 3">
             <a:extLst>
               <a:ext uri="{FF2B5EF4-FFF2-40B4-BE49-F238E27FC236}">
-                <a16:creationId xmlns:a16="http://schemas.microsoft.com/office/drawing/2014/main" id="{117C8F15-35AD-AFE6-B898-DB9DAFAD9090}"/>
+                <a16:creationId xmlns:a16="http://schemas.microsoft.com/office/drawing/2014/main" id="{C5581DC6-BC91-3DBB-E705-A86240CBD3AC}"/>
               </a:ext>
             </a:extLst>
           </p:cNvPr>
@@ -856,7 +856,7 @@
           <a:bodyPr/>
           <a:lstStyle/>
           <a:p>
-            <a:fld id="{A55D2E95-846D-4DE7-86F4-EDE3B43295CB}" type="datetimeFigureOut">
+            <a:fld id="{CD5B761E-B7EB-436D-A261-3BE9AF06CE56}" type="datetimeFigureOut">
               <a:rPr lang="zh-CN" altLang="en-US" smtClean="0"/>
               <a:t>2024/3/10</a:t>
             </a:fld>
@@ -869,7 +869,7 @@
           <p:cNvPr id="5" name="页脚占位符 4">
             <a:extLst>
               <a:ext uri="{FF2B5EF4-FFF2-40B4-BE49-F238E27FC236}">
-                <a16:creationId xmlns:a16="http://schemas.microsoft.com/office/drawing/2014/main" id="{33E241E4-14BA-6F9F-6406-4D5A5E69B752}"/>
+                <a16:creationId xmlns:a16="http://schemas.microsoft.com/office/drawing/2014/main" id="{38D70C43-43CA-5BA7-552C-348D89C4BA44}"/>
               </a:ext>
             </a:extLst>
           </p:cNvPr>
@@ -894,7 +894,7 @@
           <p:cNvPr id="6" name="灯片编号占位符 5">
             <a:extLst>
               <a:ext uri="{FF2B5EF4-FFF2-40B4-BE49-F238E27FC236}">
-                <a16:creationId xmlns:a16="http://schemas.microsoft.com/office/drawing/2014/main" id="{21E89C66-402D-B347-1524-4F34C755B1ED}"/>
+                <a16:creationId xmlns:a16="http://schemas.microsoft.com/office/drawing/2014/main" id="{263F4B0D-BE17-F9DC-0130-DD71325B1E82}"/>
               </a:ext>
             </a:extLst>
           </p:cNvPr>
@@ -910,7 +910,7 @@
           <a:bodyPr/>
           <a:lstStyle/>
           <a:p>
-            <a:fld id="{58F51680-1D63-45DE-A0A8-95A2673AF761}" type="slidenum">
+            <a:fld id="{623EDC2A-9A1F-420B-AC97-33244E5AD438}" type="slidenum">
               <a:rPr lang="zh-CN" altLang="en-US" smtClean="0"/>
               <a:t>‹#›</a:t>
             </a:fld>
@@ -921,7 +921,7 @@
     </p:spTree>
     <p:extLst>
       <p:ext uri="{BB962C8B-B14F-4D97-AF65-F5344CB8AC3E}">
-        <p14:creationId xmlns:p14="http://schemas.microsoft.com/office/powerpoint/2010/main" val="4179603267"/>
+        <p14:creationId xmlns:p14="http://schemas.microsoft.com/office/powerpoint/2010/main" val="701474134"/>
       </p:ext>
     </p:extLst>
   </p:cSld>
@@ -953,7 +953,7 @@
           <p:cNvPr id="2" name="标题 1">
             <a:extLst>
               <a:ext uri="{FF2B5EF4-FFF2-40B4-BE49-F238E27FC236}">
-                <a16:creationId xmlns:a16="http://schemas.microsoft.com/office/drawing/2014/main" id="{66CD3244-C20C-0A81-069D-B426A46B9B57}"/>
+                <a16:creationId xmlns:a16="http://schemas.microsoft.com/office/drawing/2014/main" id="{33F79EF0-8AD6-A648-2C93-FB841F960B7C}"/>
               </a:ext>
             </a:extLst>
           </p:cNvPr>
@@ -990,7 +990,7 @@
           <p:cNvPr id="3" name="文本占位符 2">
             <a:extLst>
               <a:ext uri="{FF2B5EF4-FFF2-40B4-BE49-F238E27FC236}">
-                <a16:creationId xmlns:a16="http://schemas.microsoft.com/office/drawing/2014/main" id="{D0604BE1-B7F4-DB9E-CB73-E2FD15559B54}"/>
+                <a16:creationId xmlns:a16="http://schemas.microsoft.com/office/drawing/2014/main" id="{8EC2809C-70AB-1BBF-3E9B-914B6FA6C237}"/>
               </a:ext>
             </a:extLst>
           </p:cNvPr>
@@ -1115,7 +1115,7 @@
           <p:cNvPr id="4" name="日期占位符 3">
             <a:extLst>
               <a:ext uri="{FF2B5EF4-FFF2-40B4-BE49-F238E27FC236}">
-                <a16:creationId xmlns:a16="http://schemas.microsoft.com/office/drawing/2014/main" id="{36A1F5E0-066C-80F6-49C4-138DE71FFC53}"/>
+                <a16:creationId xmlns:a16="http://schemas.microsoft.com/office/drawing/2014/main" id="{F5D28BF9-54C3-048B-20B6-1D50DC35A263}"/>
               </a:ext>
             </a:extLst>
           </p:cNvPr>
@@ -1131,7 +1131,7 @@
           <a:bodyPr/>
           <a:lstStyle/>
           <a:p>
-            <a:fld id="{A55D2E95-846D-4DE7-86F4-EDE3B43295CB}" type="datetimeFigureOut">
+            <a:fld id="{CD5B761E-B7EB-436D-A261-3BE9AF06CE56}" type="datetimeFigureOut">
               <a:rPr lang="zh-CN" altLang="en-US" smtClean="0"/>
               <a:t>2024/3/10</a:t>
             </a:fld>
@@ -1144,7 +1144,7 @@
           <p:cNvPr id="5" name="页脚占位符 4">
             <a:extLst>
               <a:ext uri="{FF2B5EF4-FFF2-40B4-BE49-F238E27FC236}">
-                <a16:creationId xmlns:a16="http://schemas.microsoft.com/office/drawing/2014/main" id="{B2BAB9CA-3EDE-32D9-E4F2-EBC07591BA18}"/>
+                <a16:creationId xmlns:a16="http://schemas.microsoft.com/office/drawing/2014/main" id="{C6F77B8F-79DA-CABE-EE57-D73174DB2FA6}"/>
               </a:ext>
             </a:extLst>
           </p:cNvPr>
@@ -1169,7 +1169,7 @@
           <p:cNvPr id="6" name="灯片编号占位符 5">
             <a:extLst>
               <a:ext uri="{FF2B5EF4-FFF2-40B4-BE49-F238E27FC236}">
-                <a16:creationId xmlns:a16="http://schemas.microsoft.com/office/drawing/2014/main" id="{D1E2F602-A2F8-9073-1BAD-1BBD79C395C2}"/>
+                <a16:creationId xmlns:a16="http://schemas.microsoft.com/office/drawing/2014/main" id="{02BB6A74-F8AD-4845-1F78-51C9AD0C3493}"/>
               </a:ext>
             </a:extLst>
           </p:cNvPr>
@@ -1185,7 +1185,7 @@
           <a:bodyPr/>
           <a:lstStyle/>
           <a:p>
-            <a:fld id="{58F51680-1D63-45DE-A0A8-95A2673AF761}" type="slidenum">
+            <a:fld id="{623EDC2A-9A1F-420B-AC97-33244E5AD438}" type="slidenum">
               <a:rPr lang="zh-CN" altLang="en-US" smtClean="0"/>
               <a:t>‹#›</a:t>
             </a:fld>
@@ -1196,7 +1196,7 @@
     </p:spTree>
     <p:extLst>
       <p:ext uri="{BB962C8B-B14F-4D97-AF65-F5344CB8AC3E}">
-        <p14:creationId xmlns:p14="http://schemas.microsoft.com/office/powerpoint/2010/main" val="3184070511"/>
+        <p14:creationId xmlns:p14="http://schemas.microsoft.com/office/powerpoint/2010/main" val="1127437296"/>
       </p:ext>
     </p:extLst>
   </p:cSld>
@@ -1228,7 +1228,7 @@
           <p:cNvPr id="2" name="标题 1">
             <a:extLst>
               <a:ext uri="{FF2B5EF4-FFF2-40B4-BE49-F238E27FC236}">
-                <a16:creationId xmlns:a16="http://schemas.microsoft.com/office/drawing/2014/main" id="{FB3834CB-6F41-FA12-7BDE-B6EF55AAC513}"/>
+                <a16:creationId xmlns:a16="http://schemas.microsoft.com/office/drawing/2014/main" id="{A701E6FA-DABB-5DE4-3657-1A44239E676B}"/>
               </a:ext>
             </a:extLst>
           </p:cNvPr>
@@ -1256,7 +1256,7 @@
           <p:cNvPr id="3" name="内容占位符 2">
             <a:extLst>
               <a:ext uri="{FF2B5EF4-FFF2-40B4-BE49-F238E27FC236}">
-                <a16:creationId xmlns:a16="http://schemas.microsoft.com/office/drawing/2014/main" id="{07B6B23D-0518-D200-1A2F-12208CADCFF6}"/>
+                <a16:creationId xmlns:a16="http://schemas.microsoft.com/office/drawing/2014/main" id="{4AED1A8E-DD43-F916-DF86-3C564B8B3164}"/>
               </a:ext>
             </a:extLst>
           </p:cNvPr>
@@ -1318,7 +1318,7 @@
           <p:cNvPr id="4" name="内容占位符 3">
             <a:extLst>
               <a:ext uri="{FF2B5EF4-FFF2-40B4-BE49-F238E27FC236}">
-                <a16:creationId xmlns:a16="http://schemas.microsoft.com/office/drawing/2014/main" id="{D1AAD939-72C1-7D48-B23E-36869383D8FD}"/>
+                <a16:creationId xmlns:a16="http://schemas.microsoft.com/office/drawing/2014/main" id="{24D0C2D4-B550-2520-852B-75F17AC4B413}"/>
               </a:ext>
             </a:extLst>
           </p:cNvPr>
@@ -1380,7 +1380,7 @@
           <p:cNvPr id="5" name="日期占位符 4">
             <a:extLst>
               <a:ext uri="{FF2B5EF4-FFF2-40B4-BE49-F238E27FC236}">
-                <a16:creationId xmlns:a16="http://schemas.microsoft.com/office/drawing/2014/main" id="{290F4C77-A490-220B-9525-CDC81F1A4571}"/>
+                <a16:creationId xmlns:a16="http://schemas.microsoft.com/office/drawing/2014/main" id="{5F5E6A9F-BB23-83DA-F77A-D8F361E85B38}"/>
               </a:ext>
             </a:extLst>
           </p:cNvPr>
@@ -1396,7 +1396,7 @@
           <a:bodyPr/>
           <a:lstStyle/>
           <a:p>
-            <a:fld id="{A55D2E95-846D-4DE7-86F4-EDE3B43295CB}" type="datetimeFigureOut">
+            <a:fld id="{CD5B761E-B7EB-436D-A261-3BE9AF06CE56}" type="datetimeFigureOut">
               <a:rPr lang="zh-CN" altLang="en-US" smtClean="0"/>
               <a:t>2024/3/10</a:t>
             </a:fld>
@@ -1409,7 +1409,7 @@
           <p:cNvPr id="6" name="页脚占位符 5">
             <a:extLst>
               <a:ext uri="{FF2B5EF4-FFF2-40B4-BE49-F238E27FC236}">
-                <a16:creationId xmlns:a16="http://schemas.microsoft.com/office/drawing/2014/main" id="{83544632-9A39-84D0-AA8D-93C9CE3FB41C}"/>
+                <a16:creationId xmlns:a16="http://schemas.microsoft.com/office/drawing/2014/main" id="{4D3971D3-3452-6D16-0B64-308886D10286}"/>
               </a:ext>
             </a:extLst>
           </p:cNvPr>
@@ -1434,7 +1434,7 @@
           <p:cNvPr id="7" name="灯片编号占位符 6">
             <a:extLst>
               <a:ext uri="{FF2B5EF4-FFF2-40B4-BE49-F238E27FC236}">
-                <a16:creationId xmlns:a16="http://schemas.microsoft.com/office/drawing/2014/main" id="{5DFDE582-EDC4-9BE5-15B0-D6370EF1EC46}"/>
+                <a16:creationId xmlns:a16="http://schemas.microsoft.com/office/drawing/2014/main" id="{B4AF56B4-E90A-2701-AACD-903B62C3F415}"/>
               </a:ext>
             </a:extLst>
           </p:cNvPr>
@@ -1450,7 +1450,7 @@
           <a:bodyPr/>
           <a:lstStyle/>
           <a:p>
-            <a:fld id="{58F51680-1D63-45DE-A0A8-95A2673AF761}" type="slidenum">
+            <a:fld id="{623EDC2A-9A1F-420B-AC97-33244E5AD438}" type="slidenum">
               <a:rPr lang="zh-CN" altLang="en-US" smtClean="0"/>
               <a:t>‹#›</a:t>
             </a:fld>
@@ -1461,7 +1461,7 @@
     </p:spTree>
     <p:extLst>
       <p:ext uri="{BB962C8B-B14F-4D97-AF65-F5344CB8AC3E}">
-        <p14:creationId xmlns:p14="http://schemas.microsoft.com/office/powerpoint/2010/main" val="640869686"/>
+        <p14:creationId xmlns:p14="http://schemas.microsoft.com/office/powerpoint/2010/main" val="1716934712"/>
       </p:ext>
     </p:extLst>
   </p:cSld>
@@ -1493,7 +1493,7 @@
           <p:cNvPr id="2" name="标题 1">
             <a:extLst>
               <a:ext uri="{FF2B5EF4-FFF2-40B4-BE49-F238E27FC236}">
-                <a16:creationId xmlns:a16="http://schemas.microsoft.com/office/drawing/2014/main" id="{E5F85FA3-9DD4-F320-E2FB-B37E9C50C289}"/>
+                <a16:creationId xmlns:a16="http://schemas.microsoft.com/office/drawing/2014/main" id="{00A72EB1-8CC8-7121-A145-BA412DE9BC58}"/>
               </a:ext>
             </a:extLst>
           </p:cNvPr>
@@ -1526,7 +1526,7 @@
           <p:cNvPr id="3" name="文本占位符 2">
             <a:extLst>
               <a:ext uri="{FF2B5EF4-FFF2-40B4-BE49-F238E27FC236}">
-                <a16:creationId xmlns:a16="http://schemas.microsoft.com/office/drawing/2014/main" id="{EC8C3449-0BBE-CAE2-D649-DCF36DA6B820}"/>
+                <a16:creationId xmlns:a16="http://schemas.microsoft.com/office/drawing/2014/main" id="{6156A6CC-048B-1036-F7B5-FA49D0D988D5}"/>
               </a:ext>
             </a:extLst>
           </p:cNvPr>
@@ -1597,7 +1597,7 @@
           <p:cNvPr id="4" name="内容占位符 3">
             <a:extLst>
               <a:ext uri="{FF2B5EF4-FFF2-40B4-BE49-F238E27FC236}">
-                <a16:creationId xmlns:a16="http://schemas.microsoft.com/office/drawing/2014/main" id="{4792FBD8-F988-C81F-3E8B-9B6E2D617420}"/>
+                <a16:creationId xmlns:a16="http://schemas.microsoft.com/office/drawing/2014/main" id="{E543155C-F34F-F33A-04BE-9A506094D18D}"/>
               </a:ext>
             </a:extLst>
           </p:cNvPr>
@@ -1659,7 +1659,7 @@
           <p:cNvPr id="5" name="文本占位符 4">
             <a:extLst>
               <a:ext uri="{FF2B5EF4-FFF2-40B4-BE49-F238E27FC236}">
-                <a16:creationId xmlns:a16="http://schemas.microsoft.com/office/drawing/2014/main" id="{6881E0C1-DE02-8C72-EBB7-23DEF0A86D4A}"/>
+                <a16:creationId xmlns:a16="http://schemas.microsoft.com/office/drawing/2014/main" id="{D438A2D3-883F-E3C1-DE35-D31342C2AE85}"/>
               </a:ext>
             </a:extLst>
           </p:cNvPr>
@@ -1730,7 +1730,7 @@
           <p:cNvPr id="6" name="内容占位符 5">
             <a:extLst>
               <a:ext uri="{FF2B5EF4-FFF2-40B4-BE49-F238E27FC236}">
-                <a16:creationId xmlns:a16="http://schemas.microsoft.com/office/drawing/2014/main" id="{AC2C10E9-55FD-8251-4AC3-0324685C79E3}"/>
+                <a16:creationId xmlns:a16="http://schemas.microsoft.com/office/drawing/2014/main" id="{1C295DC5-1A32-6ED4-5177-544334FD37A1}"/>
               </a:ext>
             </a:extLst>
           </p:cNvPr>
@@ -1792,7 +1792,7 @@
           <p:cNvPr id="7" name="日期占位符 6">
             <a:extLst>
               <a:ext uri="{FF2B5EF4-FFF2-40B4-BE49-F238E27FC236}">
-                <a16:creationId xmlns:a16="http://schemas.microsoft.com/office/drawing/2014/main" id="{610609E3-DFB1-351E-590B-34BD44B67674}"/>
+                <a16:creationId xmlns:a16="http://schemas.microsoft.com/office/drawing/2014/main" id="{9FAF9F42-9134-8BDD-3F72-F7CEC45B5853}"/>
               </a:ext>
             </a:extLst>
           </p:cNvPr>
@@ -1808,7 +1808,7 @@
           <a:bodyPr/>
           <a:lstStyle/>
           <a:p>
-            <a:fld id="{A55D2E95-846D-4DE7-86F4-EDE3B43295CB}" type="datetimeFigureOut">
+            <a:fld id="{CD5B761E-B7EB-436D-A261-3BE9AF06CE56}" type="datetimeFigureOut">
               <a:rPr lang="zh-CN" altLang="en-US" smtClean="0"/>
               <a:t>2024/3/10</a:t>
             </a:fld>
@@ -1821,7 +1821,7 @@
           <p:cNvPr id="8" name="页脚占位符 7">
             <a:extLst>
               <a:ext uri="{FF2B5EF4-FFF2-40B4-BE49-F238E27FC236}">
-                <a16:creationId xmlns:a16="http://schemas.microsoft.com/office/drawing/2014/main" id="{5700EAB7-028C-F18E-FCBA-FED1E498537D}"/>
+                <a16:creationId xmlns:a16="http://schemas.microsoft.com/office/drawing/2014/main" id="{BCADD468-5878-2C02-E306-6EE7A0002140}"/>
               </a:ext>
             </a:extLst>
           </p:cNvPr>
@@ -1846,7 +1846,7 @@
           <p:cNvPr id="9" name="灯片编号占位符 8">
             <a:extLst>
               <a:ext uri="{FF2B5EF4-FFF2-40B4-BE49-F238E27FC236}">
-                <a16:creationId xmlns:a16="http://schemas.microsoft.com/office/drawing/2014/main" id="{A00928E3-71B7-AB63-6CA0-B5C386BF5541}"/>
+                <a16:creationId xmlns:a16="http://schemas.microsoft.com/office/drawing/2014/main" id="{978D63FF-E3A0-0697-CDD1-FD91D5F1C8C6}"/>
               </a:ext>
             </a:extLst>
           </p:cNvPr>
@@ -1862,7 +1862,7 @@
           <a:bodyPr/>
           <a:lstStyle/>
           <a:p>
-            <a:fld id="{58F51680-1D63-45DE-A0A8-95A2673AF761}" type="slidenum">
+            <a:fld id="{623EDC2A-9A1F-420B-AC97-33244E5AD438}" type="slidenum">
               <a:rPr lang="zh-CN" altLang="en-US" smtClean="0"/>
               <a:t>‹#›</a:t>
             </a:fld>
@@ -1873,7 +1873,7 @@
     </p:spTree>
     <p:extLst>
       <p:ext uri="{BB962C8B-B14F-4D97-AF65-F5344CB8AC3E}">
-        <p14:creationId xmlns:p14="http://schemas.microsoft.com/office/powerpoint/2010/main" val="4196657673"/>
+        <p14:creationId xmlns:p14="http://schemas.microsoft.com/office/powerpoint/2010/main" val="4094567429"/>
       </p:ext>
     </p:extLst>
   </p:cSld>
@@ -1905,7 +1905,7 @@
           <p:cNvPr id="2" name="标题 1">
             <a:extLst>
               <a:ext uri="{FF2B5EF4-FFF2-40B4-BE49-F238E27FC236}">
-                <a16:creationId xmlns:a16="http://schemas.microsoft.com/office/drawing/2014/main" id="{844DF020-9930-0AEC-8AC2-F2048007A32E}"/>
+                <a16:creationId xmlns:a16="http://schemas.microsoft.com/office/drawing/2014/main" id="{C2D923E9-76A1-B49F-108C-7FA0A15103D6}"/>
               </a:ext>
             </a:extLst>
           </p:cNvPr>
@@ -1933,7 +1933,7 @@
           <p:cNvPr id="3" name="日期占位符 2">
             <a:extLst>
               <a:ext uri="{FF2B5EF4-FFF2-40B4-BE49-F238E27FC236}">
-                <a16:creationId xmlns:a16="http://schemas.microsoft.com/office/drawing/2014/main" id="{BF6D213F-2F44-307E-CE43-85A62AFC52F3}"/>
+                <a16:creationId xmlns:a16="http://schemas.microsoft.com/office/drawing/2014/main" id="{083DF9C6-076A-E02E-8FD2-C5326D5ABBCB}"/>
               </a:ext>
             </a:extLst>
           </p:cNvPr>
@@ -1949,7 +1949,7 @@
           <a:bodyPr/>
           <a:lstStyle/>
           <a:p>
-            <a:fld id="{A55D2E95-846D-4DE7-86F4-EDE3B43295CB}" type="datetimeFigureOut">
+            <a:fld id="{CD5B761E-B7EB-436D-A261-3BE9AF06CE56}" type="datetimeFigureOut">
               <a:rPr lang="zh-CN" altLang="en-US" smtClean="0"/>
               <a:t>2024/3/10</a:t>
             </a:fld>
@@ -1962,7 +1962,7 @@
           <p:cNvPr id="4" name="页脚占位符 3">
             <a:extLst>
               <a:ext uri="{FF2B5EF4-FFF2-40B4-BE49-F238E27FC236}">
-                <a16:creationId xmlns:a16="http://schemas.microsoft.com/office/drawing/2014/main" id="{B3BB75D5-06B1-A2EF-BFCB-CAAABC7DA370}"/>
+                <a16:creationId xmlns:a16="http://schemas.microsoft.com/office/drawing/2014/main" id="{AC343C65-F5F2-E328-CD2D-0D9D017D8EAB}"/>
               </a:ext>
             </a:extLst>
           </p:cNvPr>
@@ -1987,7 +1987,7 @@
           <p:cNvPr id="5" name="灯片编号占位符 4">
             <a:extLst>
               <a:ext uri="{FF2B5EF4-FFF2-40B4-BE49-F238E27FC236}">
-                <a16:creationId xmlns:a16="http://schemas.microsoft.com/office/drawing/2014/main" id="{B98C26F0-9BC6-8BE2-FEA0-EC65ED08FC57}"/>
+                <a16:creationId xmlns:a16="http://schemas.microsoft.com/office/drawing/2014/main" id="{4B21EE70-B9FD-6A98-38F3-56D418E3743D}"/>
               </a:ext>
             </a:extLst>
           </p:cNvPr>
@@ -2003,7 +2003,7 @@
           <a:bodyPr/>
           <a:lstStyle/>
           <a:p>
-            <a:fld id="{58F51680-1D63-45DE-A0A8-95A2673AF761}" type="slidenum">
+            <a:fld id="{623EDC2A-9A1F-420B-AC97-33244E5AD438}" type="slidenum">
               <a:rPr lang="zh-CN" altLang="en-US" smtClean="0"/>
               <a:t>‹#›</a:t>
             </a:fld>
@@ -2014,7 +2014,7 @@
     </p:spTree>
     <p:extLst>
       <p:ext uri="{BB962C8B-B14F-4D97-AF65-F5344CB8AC3E}">
-        <p14:creationId xmlns:p14="http://schemas.microsoft.com/office/powerpoint/2010/main" val="480371952"/>
+        <p14:creationId xmlns:p14="http://schemas.microsoft.com/office/powerpoint/2010/main" val="1977612112"/>
       </p:ext>
     </p:extLst>
   </p:cSld>
@@ -2046,7 +2046,7 @@
           <p:cNvPr id="2" name="日期占位符 1">
             <a:extLst>
               <a:ext uri="{FF2B5EF4-FFF2-40B4-BE49-F238E27FC236}">
-                <a16:creationId xmlns:a16="http://schemas.microsoft.com/office/drawing/2014/main" id="{6F544464-06C8-9AFF-261E-875DCE2568D8}"/>
+                <a16:creationId xmlns:a16="http://schemas.microsoft.com/office/drawing/2014/main" id="{E1A03A42-A828-E488-086F-8F153652DE8F}"/>
               </a:ext>
             </a:extLst>
           </p:cNvPr>
@@ -2062,7 +2062,7 @@
           <a:bodyPr/>
           <a:lstStyle/>
           <a:p>
-            <a:fld id="{A55D2E95-846D-4DE7-86F4-EDE3B43295CB}" type="datetimeFigureOut">
+            <a:fld id="{CD5B761E-B7EB-436D-A261-3BE9AF06CE56}" type="datetimeFigureOut">
               <a:rPr lang="zh-CN" altLang="en-US" smtClean="0"/>
               <a:t>2024/3/10</a:t>
             </a:fld>
@@ -2075,7 +2075,7 @@
           <p:cNvPr id="3" name="页脚占位符 2">
             <a:extLst>
               <a:ext uri="{FF2B5EF4-FFF2-40B4-BE49-F238E27FC236}">
-                <a16:creationId xmlns:a16="http://schemas.microsoft.com/office/drawing/2014/main" id="{24864BE6-5CD0-4A59-B912-16A04D32E9B3}"/>
+                <a16:creationId xmlns:a16="http://schemas.microsoft.com/office/drawing/2014/main" id="{5A5FC2E8-D0EB-7F7A-C7D7-7A0BEB1EC542}"/>
               </a:ext>
             </a:extLst>
           </p:cNvPr>
@@ -2100,7 +2100,7 @@
           <p:cNvPr id="4" name="灯片编号占位符 3">
             <a:extLst>
               <a:ext uri="{FF2B5EF4-FFF2-40B4-BE49-F238E27FC236}">
-                <a16:creationId xmlns:a16="http://schemas.microsoft.com/office/drawing/2014/main" id="{9B712B22-208F-65AB-C804-C9494E77E67A}"/>
+                <a16:creationId xmlns:a16="http://schemas.microsoft.com/office/drawing/2014/main" id="{BCCC74DB-3D11-1EBF-7EF8-53284A981E59}"/>
               </a:ext>
             </a:extLst>
           </p:cNvPr>
@@ -2116,7 +2116,7 @@
           <a:bodyPr/>
           <a:lstStyle/>
           <a:p>
-            <a:fld id="{58F51680-1D63-45DE-A0A8-95A2673AF761}" type="slidenum">
+            <a:fld id="{623EDC2A-9A1F-420B-AC97-33244E5AD438}" type="slidenum">
               <a:rPr lang="zh-CN" altLang="en-US" smtClean="0"/>
               <a:t>‹#›</a:t>
             </a:fld>
@@ -2127,7 +2127,7 @@
     </p:spTree>
     <p:extLst>
       <p:ext uri="{BB962C8B-B14F-4D97-AF65-F5344CB8AC3E}">
-        <p14:creationId xmlns:p14="http://schemas.microsoft.com/office/powerpoint/2010/main" val="1696450920"/>
+        <p14:creationId xmlns:p14="http://schemas.microsoft.com/office/powerpoint/2010/main" val="1475731166"/>
       </p:ext>
     </p:extLst>
   </p:cSld>
@@ -2159,7 +2159,7 @@
           <p:cNvPr id="2" name="标题 1">
             <a:extLst>
               <a:ext uri="{FF2B5EF4-FFF2-40B4-BE49-F238E27FC236}">
-                <a16:creationId xmlns:a16="http://schemas.microsoft.com/office/drawing/2014/main" id="{82DA7CEE-D059-A38A-99BB-9197AC7A1B7A}"/>
+                <a16:creationId xmlns:a16="http://schemas.microsoft.com/office/drawing/2014/main" id="{E158C1F0-5E6F-B3EF-1878-22EFC4D082E3}"/>
               </a:ext>
             </a:extLst>
           </p:cNvPr>
@@ -2196,7 +2196,7 @@
           <p:cNvPr id="3" name="内容占位符 2">
             <a:extLst>
               <a:ext uri="{FF2B5EF4-FFF2-40B4-BE49-F238E27FC236}">
-                <a16:creationId xmlns:a16="http://schemas.microsoft.com/office/drawing/2014/main" id="{4C3BC03A-50D9-37E0-8F30-B4639C639F62}"/>
+                <a16:creationId xmlns:a16="http://schemas.microsoft.com/office/drawing/2014/main" id="{98A19D58-A646-22FE-9E70-8A2879CF2E2D}"/>
               </a:ext>
             </a:extLst>
           </p:cNvPr>
@@ -2286,7 +2286,7 @@
           <p:cNvPr id="4" name="文本占位符 3">
             <a:extLst>
               <a:ext uri="{FF2B5EF4-FFF2-40B4-BE49-F238E27FC236}">
-                <a16:creationId xmlns:a16="http://schemas.microsoft.com/office/drawing/2014/main" id="{501196B0-D58B-064F-A4BB-C8E4BDB95A0A}"/>
+                <a16:creationId xmlns:a16="http://schemas.microsoft.com/office/drawing/2014/main" id="{1F3B17F3-CC61-182A-AF5F-2502153692F5}"/>
               </a:ext>
             </a:extLst>
           </p:cNvPr>
@@ -2357,7 +2357,7 @@
           <p:cNvPr id="5" name="日期占位符 4">
             <a:extLst>
               <a:ext uri="{FF2B5EF4-FFF2-40B4-BE49-F238E27FC236}">
-                <a16:creationId xmlns:a16="http://schemas.microsoft.com/office/drawing/2014/main" id="{0B88DA13-62D3-E79A-270B-2D15EDF20D55}"/>
+                <a16:creationId xmlns:a16="http://schemas.microsoft.com/office/drawing/2014/main" id="{26A1A43B-D38D-08FC-21E4-F47DF551DB2E}"/>
               </a:ext>
             </a:extLst>
           </p:cNvPr>
@@ -2373,7 +2373,7 @@
           <a:bodyPr/>
           <a:lstStyle/>
           <a:p>
-            <a:fld id="{A55D2E95-846D-4DE7-86F4-EDE3B43295CB}" type="datetimeFigureOut">
+            <a:fld id="{CD5B761E-B7EB-436D-A261-3BE9AF06CE56}" type="datetimeFigureOut">
               <a:rPr lang="zh-CN" altLang="en-US" smtClean="0"/>
               <a:t>2024/3/10</a:t>
             </a:fld>
@@ -2386,7 +2386,7 @@
           <p:cNvPr id="6" name="页脚占位符 5">
             <a:extLst>
               <a:ext uri="{FF2B5EF4-FFF2-40B4-BE49-F238E27FC236}">
-                <a16:creationId xmlns:a16="http://schemas.microsoft.com/office/drawing/2014/main" id="{DA97DBD9-30B0-62A9-D0B4-7BCF34D9EF7F}"/>
+                <a16:creationId xmlns:a16="http://schemas.microsoft.com/office/drawing/2014/main" id="{55DA16F8-ED8F-1577-37CD-1663E883523D}"/>
               </a:ext>
             </a:extLst>
           </p:cNvPr>
@@ -2411,7 +2411,7 @@
           <p:cNvPr id="7" name="灯片编号占位符 6">
             <a:extLst>
               <a:ext uri="{FF2B5EF4-FFF2-40B4-BE49-F238E27FC236}">
-                <a16:creationId xmlns:a16="http://schemas.microsoft.com/office/drawing/2014/main" id="{5C8F2574-30FE-D8CA-56F4-CA389CB70BD5}"/>
+                <a16:creationId xmlns:a16="http://schemas.microsoft.com/office/drawing/2014/main" id="{40C4AB98-388F-7CDF-3DE2-23813A81EDBE}"/>
               </a:ext>
             </a:extLst>
           </p:cNvPr>
@@ -2427,7 +2427,7 @@
           <a:bodyPr/>
           <a:lstStyle/>
           <a:p>
-            <a:fld id="{58F51680-1D63-45DE-A0A8-95A2673AF761}" type="slidenum">
+            <a:fld id="{623EDC2A-9A1F-420B-AC97-33244E5AD438}" type="slidenum">
               <a:rPr lang="zh-CN" altLang="en-US" smtClean="0"/>
               <a:t>‹#›</a:t>
             </a:fld>
@@ -2438,7 +2438,7 @@
     </p:spTree>
     <p:extLst>
       <p:ext uri="{BB962C8B-B14F-4D97-AF65-F5344CB8AC3E}">
-        <p14:creationId xmlns:p14="http://schemas.microsoft.com/office/powerpoint/2010/main" val="2945936474"/>
+        <p14:creationId xmlns:p14="http://schemas.microsoft.com/office/powerpoint/2010/main" val="2973193665"/>
       </p:ext>
     </p:extLst>
   </p:cSld>
@@ -2470,7 +2470,7 @@
           <p:cNvPr id="2" name="标题 1">
             <a:extLst>
               <a:ext uri="{FF2B5EF4-FFF2-40B4-BE49-F238E27FC236}">
-                <a16:creationId xmlns:a16="http://schemas.microsoft.com/office/drawing/2014/main" id="{8010B1D6-5245-D6B8-B342-5EAE214811B7}"/>
+                <a16:creationId xmlns:a16="http://schemas.microsoft.com/office/drawing/2014/main" id="{3FFDAC36-A1C5-302C-2BAF-0CFE07755B91}"/>
               </a:ext>
             </a:extLst>
           </p:cNvPr>
@@ -2507,7 +2507,7 @@
           <p:cNvPr id="3" name="图片占位符 2">
             <a:extLst>
               <a:ext uri="{FF2B5EF4-FFF2-40B4-BE49-F238E27FC236}">
-                <a16:creationId xmlns:a16="http://schemas.microsoft.com/office/drawing/2014/main" id="{2C6FB684-8DD4-8D41-4EBB-61A23FB74B93}"/>
+                <a16:creationId xmlns:a16="http://schemas.microsoft.com/office/drawing/2014/main" id="{CE80C53E-B420-AB56-822B-9EDAC550ED74}"/>
               </a:ext>
             </a:extLst>
           </p:cNvPr>
@@ -2574,7 +2574,7 @@
           <p:cNvPr id="4" name="文本占位符 3">
             <a:extLst>
               <a:ext uri="{FF2B5EF4-FFF2-40B4-BE49-F238E27FC236}">
-                <a16:creationId xmlns:a16="http://schemas.microsoft.com/office/drawing/2014/main" id="{8A130B3E-DB00-D6C1-5F14-0CB2399F9F27}"/>
+                <a16:creationId xmlns:a16="http://schemas.microsoft.com/office/drawing/2014/main" id="{83545C2D-0AE2-9B67-C4C9-9A28EA028A4F}"/>
               </a:ext>
             </a:extLst>
           </p:cNvPr>
@@ -2645,7 +2645,7 @@
           <p:cNvPr id="5" name="日期占位符 4">
             <a:extLst>
               <a:ext uri="{FF2B5EF4-FFF2-40B4-BE49-F238E27FC236}">
-                <a16:creationId xmlns:a16="http://schemas.microsoft.com/office/drawing/2014/main" id="{3934756C-F614-186E-CD25-717EC87AF584}"/>
+                <a16:creationId xmlns:a16="http://schemas.microsoft.com/office/drawing/2014/main" id="{56AD6302-D5F5-40C4-AC53-761491142768}"/>
               </a:ext>
             </a:extLst>
           </p:cNvPr>
@@ -2661,7 +2661,7 @@
           <a:bodyPr/>
           <a:lstStyle/>
           <a:p>
-            <a:fld id="{A55D2E95-846D-4DE7-86F4-EDE3B43295CB}" type="datetimeFigureOut">
+            <a:fld id="{CD5B761E-B7EB-436D-A261-3BE9AF06CE56}" type="datetimeFigureOut">
               <a:rPr lang="zh-CN" altLang="en-US" smtClean="0"/>
               <a:t>2024/3/10</a:t>
             </a:fld>
@@ -2674,7 +2674,7 @@
           <p:cNvPr id="6" name="页脚占位符 5">
             <a:extLst>
               <a:ext uri="{FF2B5EF4-FFF2-40B4-BE49-F238E27FC236}">
-                <a16:creationId xmlns:a16="http://schemas.microsoft.com/office/drawing/2014/main" id="{CA00B1B6-DCBF-300B-C4D9-7B37F35EA849}"/>
+                <a16:creationId xmlns:a16="http://schemas.microsoft.com/office/drawing/2014/main" id="{CB443C2A-F61C-E8A7-E38F-15D3D11A103D}"/>
               </a:ext>
             </a:extLst>
           </p:cNvPr>
@@ -2699,7 +2699,7 @@
           <p:cNvPr id="7" name="灯片编号占位符 6">
             <a:extLst>
               <a:ext uri="{FF2B5EF4-FFF2-40B4-BE49-F238E27FC236}">
-                <a16:creationId xmlns:a16="http://schemas.microsoft.com/office/drawing/2014/main" id="{BC8FF4E6-9108-8224-BE1A-4A6BA400988E}"/>
+                <a16:creationId xmlns:a16="http://schemas.microsoft.com/office/drawing/2014/main" id="{27860E42-2F3C-F298-7CF1-2ABE147DAE12}"/>
               </a:ext>
             </a:extLst>
           </p:cNvPr>
@@ -2715,7 +2715,7 @@
           <a:bodyPr/>
           <a:lstStyle/>
           <a:p>
-            <a:fld id="{58F51680-1D63-45DE-A0A8-95A2673AF761}" type="slidenum">
+            <a:fld id="{623EDC2A-9A1F-420B-AC97-33244E5AD438}" type="slidenum">
               <a:rPr lang="zh-CN" altLang="en-US" smtClean="0"/>
               <a:t>‹#›</a:t>
             </a:fld>
@@ -2726,7 +2726,7 @@
     </p:spTree>
     <p:extLst>
       <p:ext uri="{BB962C8B-B14F-4D97-AF65-F5344CB8AC3E}">
-        <p14:creationId xmlns:p14="http://schemas.microsoft.com/office/powerpoint/2010/main" val="3692613545"/>
+        <p14:creationId xmlns:p14="http://schemas.microsoft.com/office/powerpoint/2010/main" val="3638951670"/>
       </p:ext>
     </p:extLst>
   </p:cSld>
@@ -2763,7 +2763,7 @@
           <p:cNvPr id="2" name="标题占位符 1">
             <a:extLst>
               <a:ext uri="{FF2B5EF4-FFF2-40B4-BE49-F238E27FC236}">
-                <a16:creationId xmlns:a16="http://schemas.microsoft.com/office/drawing/2014/main" id="{629096B4-447B-EAE7-B6D0-5EB4A655C4C2}"/>
+                <a16:creationId xmlns:a16="http://schemas.microsoft.com/office/drawing/2014/main" id="{9BCA653F-FBAB-26F9-E2C6-73B3179B0F1E}"/>
               </a:ext>
             </a:extLst>
           </p:cNvPr>
@@ -2801,7 +2801,7 @@
           <p:cNvPr id="3" name="文本占位符 2">
             <a:extLst>
               <a:ext uri="{FF2B5EF4-FFF2-40B4-BE49-F238E27FC236}">
-                <a16:creationId xmlns:a16="http://schemas.microsoft.com/office/drawing/2014/main" id="{4E9C9327-4E24-B350-1989-F4D217791109}"/>
+                <a16:creationId xmlns:a16="http://schemas.microsoft.com/office/drawing/2014/main" id="{E16D4EC7-27DE-CD95-1B9B-EE077C0D6611}"/>
               </a:ext>
             </a:extLst>
           </p:cNvPr>
@@ -2868,7 +2868,7 @@
           <p:cNvPr id="4" name="日期占位符 3">
             <a:extLst>
               <a:ext uri="{FF2B5EF4-FFF2-40B4-BE49-F238E27FC236}">
-                <a16:creationId xmlns:a16="http://schemas.microsoft.com/office/drawing/2014/main" id="{F0938523-949E-15FD-AE2D-302D54B59FD6}"/>
+                <a16:creationId xmlns:a16="http://schemas.microsoft.com/office/drawing/2014/main" id="{70450548-FC30-645A-277D-10F9A1983A99}"/>
               </a:ext>
             </a:extLst>
           </p:cNvPr>
@@ -2902,7 +2902,7 @@
             </a:lvl1pPr>
           </a:lstStyle>
           <a:p>
-            <a:fld id="{A55D2E95-846D-4DE7-86F4-EDE3B43295CB}" type="datetimeFigureOut">
+            <a:fld id="{CD5B761E-B7EB-436D-A261-3BE9AF06CE56}" type="datetimeFigureOut">
               <a:rPr lang="zh-CN" altLang="en-US" smtClean="0"/>
               <a:t>2024/3/10</a:t>
             </a:fld>
@@ -2915,7 +2915,7 @@
           <p:cNvPr id="5" name="页脚占位符 4">
             <a:extLst>
               <a:ext uri="{FF2B5EF4-FFF2-40B4-BE49-F238E27FC236}">
-                <a16:creationId xmlns:a16="http://schemas.microsoft.com/office/drawing/2014/main" id="{BDE50B8C-EBD9-E619-5B5D-CE85E02ACC57}"/>
+                <a16:creationId xmlns:a16="http://schemas.microsoft.com/office/drawing/2014/main" id="{5FF07521-C4F4-16FF-33F5-4687794314F9}"/>
               </a:ext>
             </a:extLst>
           </p:cNvPr>
@@ -2958,7 +2958,7 @@
           <p:cNvPr id="6" name="灯片编号占位符 5">
             <a:extLst>
               <a:ext uri="{FF2B5EF4-FFF2-40B4-BE49-F238E27FC236}">
-                <a16:creationId xmlns:a16="http://schemas.microsoft.com/office/drawing/2014/main" id="{7F2456EF-E46F-E961-A1A5-AE4E553AD13F}"/>
+                <a16:creationId xmlns:a16="http://schemas.microsoft.com/office/drawing/2014/main" id="{2C4F3A65-A298-A8FC-2343-803D0871A35E}"/>
               </a:ext>
             </a:extLst>
           </p:cNvPr>
@@ -2992,7 +2992,7 @@
             </a:lvl1pPr>
           </a:lstStyle>
           <a:p>
-            <a:fld id="{58F51680-1D63-45DE-A0A8-95A2673AF761}" type="slidenum">
+            <a:fld id="{623EDC2A-9A1F-420B-AC97-33244E5AD438}" type="slidenum">
               <a:rPr lang="zh-CN" altLang="en-US" smtClean="0"/>
               <a:t>‹#›</a:t>
             </a:fld>
@@ -3003,7 +3003,7 @@
     </p:spTree>
     <p:extLst>
       <p:ext uri="{BB962C8B-B14F-4D97-AF65-F5344CB8AC3E}">
-        <p14:creationId xmlns:p14="http://schemas.microsoft.com/office/powerpoint/2010/main" val="1450328933"/>
+        <p14:creationId xmlns:p14="http://schemas.microsoft.com/office/powerpoint/2010/main" val="2846441689"/>
       </p:ext>
     </p:extLst>
   </p:cSld>
@@ -3323,7 +3323,7 @@
       </p:grpSpPr>
       <p:pic>
         <p:nvPicPr>
-          <p:cNvPr id="1278978" name="Picture 2" descr="1248"/>
+          <p:cNvPr id="1280002" name="Picture 2" descr="1249"/>
           <p:cNvPicPr>
             <a:picLocks noChangeAspect="1" noChangeArrowheads="1"/>
           </p:cNvPicPr>
@@ -3344,8 +3344,8 @@
         </p:blipFill>
         <p:spPr bwMode="auto">
           <a:xfrm>
-            <a:off x="1524000" y="0"/>
-            <a:ext cx="9144000" cy="6858000"/>
+            <a:off x="1524000" y="1588"/>
+            <a:ext cx="9144000" cy="6380162"/>
           </a:xfrm>
           <a:prstGeom prst="rect">
             <a:avLst/>
